--- a/Overview.pptx
+++ b/Overview.pptx
@@ -5,7 +5,7 @@
     <p:sldMasterId id="2147483648" r:id="rId1"/>
   </p:sldMasterIdLst>
   <p:notesMasterIdLst>
-    <p:notesMasterId r:id="rId10"/>
+    <p:notesMasterId r:id="rId14"/>
   </p:notesMasterIdLst>
   <p:sldIdLst>
     <p:sldId id="256" r:id="rId2"/>
@@ -16,6 +16,10 @@
     <p:sldId id="261" r:id="rId7"/>
     <p:sldId id="262" r:id="rId8"/>
     <p:sldId id="263" r:id="rId9"/>
+    <p:sldId id="264" r:id="rId10"/>
+    <p:sldId id="265" r:id="rId11"/>
+    <p:sldId id="266" r:id="rId12"/>
+    <p:sldId id="267" r:id="rId13"/>
   </p:sldIdLst>
   <p:sldSz cx="12192000" cy="6858000"/>
   <p:notesSz cx="6858000" cy="9144000"/>
@@ -3352,12 +3356,8 @@
               <a:rPr lang="en-US" dirty="0" smtClean="0"/>
             </a:br>
             <a:r>
-              <a:rPr lang="en-US" smtClean="0"/>
-              <a:t>more sims, </a:t>
-            </a:r>
-            <a:r>
               <a:rPr lang="en-US" dirty="0" smtClean="0"/>
-              <a:t>more options </a:t>
+              <a:t>more sims, more options </a:t>
             </a:r>
             <a:r>
               <a:rPr lang="en-US" dirty="0" smtClean="0">
@@ -3396,6 +3396,569 @@
     <p:extLst>
       <p:ext uri="{BB962C8B-B14F-4D97-AF65-F5344CB8AC3E}">
         <p14:creationId xmlns:p14="http://schemas.microsoft.com/office/powerpoint/2010/main" val="1049332930"/>
+      </p:ext>
+    </p:extLst>
+  </p:cSld>
+  <p:clrMapOvr>
+    <a:masterClrMapping/>
+  </p:clrMapOvr>
+</p:sld>
+</file>
+
+<file path=ppt/slides/slide10.xml><?xml version="1.0" encoding="utf-8"?>
+<p:sld xmlns:a="http://schemas.openxmlformats.org/drawingml/2006/main" xmlns:r="http://schemas.openxmlformats.org/officeDocument/2006/relationships" xmlns:p="http://schemas.openxmlformats.org/presentationml/2006/main">
+  <p:cSld>
+    <p:spTree>
+      <p:nvGrpSpPr>
+        <p:cNvPr id="1" name=""/>
+        <p:cNvGrpSpPr/>
+        <p:nvPr/>
+      </p:nvGrpSpPr>
+      <p:grpSpPr>
+        <a:xfrm>
+          <a:off x="0" y="0"/>
+          <a:ext cx="0" cy="0"/>
+          <a:chOff x="0" y="0"/>
+          <a:chExt cx="0" cy="0"/>
+        </a:xfrm>
+      </p:grpSpPr>
+      <p:sp>
+        <p:nvSpPr>
+          <p:cNvPr id="2" name="Title 1"/>
+          <p:cNvSpPr>
+            <a:spLocks noGrp="1"/>
+          </p:cNvSpPr>
+          <p:nvPr>
+            <p:ph type="title"/>
+          </p:nvPr>
+        </p:nvSpPr>
+        <p:spPr/>
+        <p:txBody>
+          <a:bodyPr/>
+          <a:lstStyle/>
+          <a:p>
+            <a:r>
+              <a:rPr lang="en-US" dirty="0" smtClean="0"/>
+              <a:t>Bell states (00 +11 example)</a:t>
+            </a:r>
+            <a:endParaRPr lang="en-US" dirty="0"/>
+          </a:p>
+        </p:txBody>
+      </p:sp>
+      <p:pic>
+        <p:nvPicPr>
+          <p:cNvPr id="4" name="Picture 3"/>
+          <p:cNvPicPr>
+            <a:picLocks noChangeAspect="1"/>
+          </p:cNvPicPr>
+          <p:nvPr/>
+        </p:nvPicPr>
+        <p:blipFill>
+          <a:blip r:embed="rId2">
+            <a:extLst>
+              <a:ext uri="{28A0092B-C50C-407E-A947-70E740481C1C}">
+                <a14:useLocalDpi xmlns:a14="http://schemas.microsoft.com/office/drawing/2010/main" val="0"/>
+              </a:ext>
+            </a:extLst>
+          </a:blip>
+          <a:stretch>
+            <a:fillRect/>
+          </a:stretch>
+        </p:blipFill>
+        <p:spPr>
+          <a:xfrm>
+            <a:off x="757428" y="1926844"/>
+            <a:ext cx="5852160" cy="4389120"/>
+          </a:xfrm>
+          <a:prstGeom prst="rect">
+            <a:avLst/>
+          </a:prstGeom>
+        </p:spPr>
+      </p:pic>
+      <p:sp>
+        <p:nvSpPr>
+          <p:cNvPr id="5" name="TextBox 4"/>
+          <p:cNvSpPr txBox="1"/>
+          <p:nvPr/>
+        </p:nvSpPr>
+        <p:spPr>
+          <a:xfrm>
+            <a:off x="838200" y="1690688"/>
+            <a:ext cx="981359" cy="646331"/>
+          </a:xfrm>
+          <a:prstGeom prst="rect">
+            <a:avLst/>
+          </a:prstGeom>
+          <a:noFill/>
+        </p:spPr>
+        <p:txBody>
+          <a:bodyPr wrap="none" rtlCol="0">
+            <a:spAutoFit/>
+          </a:bodyPr>
+          <a:lstStyle/>
+          <a:p>
+            <a:r>
+              <a:rPr lang="en-US" dirty="0" smtClean="0"/>
+              <a:t>F = 85 %</a:t>
+            </a:r>
+          </a:p>
+          <a:p>
+            <a:r>
+              <a:rPr lang="en-US" dirty="0" smtClean="0"/>
+              <a:t>C = 73 %</a:t>
+            </a:r>
+            <a:endParaRPr lang="en-US" dirty="0"/>
+          </a:p>
+        </p:txBody>
+      </p:sp>
+      <p:pic>
+        <p:nvPicPr>
+          <p:cNvPr id="8" name="Picture 7">
+            <a:extLst>
+              <a:ext uri="{FF2B5EF4-FFF2-40B4-BE49-F238E27FC236}">
+                <a16:creationId xmlns:a16="http://schemas.microsoft.com/office/drawing/2014/main" xmlns="" id="{5698CC2E-8CD3-42B2-8ECE-E5B464D65471}"/>
+              </a:ext>
+            </a:extLst>
+          </p:cNvPr>
+          <p:cNvPicPr>
+            <a:picLocks noChangeAspect="1"/>
+          </p:cNvPicPr>
+          <p:nvPr/>
+        </p:nvPicPr>
+        <p:blipFill>
+          <a:blip r:embed="rId3">
+            <a:extLst>
+              <a:ext uri="{28A0092B-C50C-407E-A947-70E740481C1C}">
+                <a14:useLocalDpi xmlns:a14="http://schemas.microsoft.com/office/drawing/2010/main" val="0"/>
+              </a:ext>
+            </a:extLst>
+          </a:blip>
+          <a:stretch>
+            <a:fillRect/>
+          </a:stretch>
+        </p:blipFill>
+        <p:spPr>
+          <a:xfrm>
+            <a:off x="6269724" y="2081095"/>
+            <a:ext cx="5852172" cy="4389129"/>
+          </a:xfrm>
+          <a:prstGeom prst="rect">
+            <a:avLst/>
+          </a:prstGeom>
+        </p:spPr>
+      </p:pic>
+      <p:sp>
+        <p:nvSpPr>
+          <p:cNvPr id="9" name="TextBox 8">
+            <a:extLst>
+              <a:ext uri="{FF2B5EF4-FFF2-40B4-BE49-F238E27FC236}">
+                <a16:creationId xmlns:a16="http://schemas.microsoft.com/office/drawing/2014/main" xmlns="" id="{57A46233-D008-4F1A-BDB5-5712C4E6AB7C}"/>
+              </a:ext>
+            </a:extLst>
+          </p:cNvPr>
+          <p:cNvSpPr txBox="1"/>
+          <p:nvPr/>
+        </p:nvSpPr>
+        <p:spPr>
+          <a:xfrm>
+            <a:off x="10590714" y="1690688"/>
+            <a:ext cx="938077" cy="646331"/>
+          </a:xfrm>
+          <a:prstGeom prst="rect">
+            <a:avLst/>
+          </a:prstGeom>
+          <a:noFill/>
+        </p:spPr>
+        <p:txBody>
+          <a:bodyPr wrap="none" rtlCol="0">
+            <a:spAutoFit/>
+          </a:bodyPr>
+          <a:lstStyle/>
+          <a:p>
+            <a:r>
+              <a:rPr lang="en-GB" dirty="0"/>
+              <a:t>F = 95,7</a:t>
+            </a:r>
+          </a:p>
+          <a:p>
+            <a:r>
+              <a:rPr lang="en-GB" dirty="0"/>
+              <a:t>C = 92,3</a:t>
+            </a:r>
+            <a:endParaRPr lang="nl-NL" dirty="0"/>
+          </a:p>
+        </p:txBody>
+      </p:sp>
+      <p:sp>
+        <p:nvSpPr>
+          <p:cNvPr id="10" name="TextBox 9"/>
+          <p:cNvSpPr txBox="1"/>
+          <p:nvPr/>
+        </p:nvSpPr>
+        <p:spPr>
+          <a:xfrm>
+            <a:off x="8547381" y="365125"/>
+            <a:ext cx="3007490" cy="646331"/>
+          </a:xfrm>
+          <a:prstGeom prst="rect">
+            <a:avLst/>
+          </a:prstGeom>
+          <a:noFill/>
+        </p:spPr>
+        <p:txBody>
+          <a:bodyPr wrap="none" rtlCol="0">
+            <a:spAutoFit/>
+          </a:bodyPr>
+          <a:lstStyle/>
+          <a:p>
+            <a:pPr algn="r"/>
+            <a:r>
+              <a:rPr lang="en-US" sz="3600" dirty="0" smtClean="0">
+                <a:solidFill>
+                  <a:srgbClr val="C00000"/>
+                </a:solidFill>
+              </a:rPr>
+              <a:t>Static Gaussian</a:t>
+            </a:r>
+            <a:endParaRPr lang="en-US" sz="3600" dirty="0">
+              <a:solidFill>
+                <a:srgbClr val="C00000"/>
+              </a:solidFill>
+            </a:endParaRPr>
+          </a:p>
+        </p:txBody>
+      </p:sp>
+    </p:spTree>
+    <p:extLst>
+      <p:ext uri="{BB962C8B-B14F-4D97-AF65-F5344CB8AC3E}">
+        <p14:creationId xmlns:p14="http://schemas.microsoft.com/office/powerpoint/2010/main" val="1528348056"/>
+      </p:ext>
+    </p:extLst>
+  </p:cSld>
+  <p:clrMapOvr>
+    <a:masterClrMapping/>
+  </p:clrMapOvr>
+</p:sld>
+</file>
+
+<file path=ppt/slides/slide11.xml><?xml version="1.0" encoding="utf-8"?>
+<p:sld xmlns:a="http://schemas.openxmlformats.org/drawingml/2006/main" xmlns:r="http://schemas.openxmlformats.org/officeDocument/2006/relationships" xmlns:p="http://schemas.openxmlformats.org/presentationml/2006/main">
+  <p:cSld>
+    <p:spTree>
+      <p:nvGrpSpPr>
+        <p:cNvPr id="1" name=""/>
+        <p:cNvGrpSpPr/>
+        <p:nvPr/>
+      </p:nvGrpSpPr>
+      <p:grpSpPr>
+        <a:xfrm>
+          <a:off x="0" y="0"/>
+          <a:ext cx="0" cy="0"/>
+          <a:chOff x="0" y="0"/>
+          <a:chExt cx="0" cy="0"/>
+        </a:xfrm>
+      </p:grpSpPr>
+      <p:sp>
+        <p:nvSpPr>
+          <p:cNvPr id="2" name="Title 1"/>
+          <p:cNvSpPr>
+            <a:spLocks noGrp="1"/>
+          </p:cNvSpPr>
+          <p:nvPr>
+            <p:ph type="title"/>
+          </p:nvPr>
+        </p:nvSpPr>
+        <p:spPr/>
+        <p:txBody>
+          <a:bodyPr/>
+          <a:lstStyle/>
+          <a:p>
+            <a:r>
+              <a:rPr lang="en-US" dirty="0" smtClean="0"/>
+              <a:t>Conclusion</a:t>
+            </a:r>
+            <a:endParaRPr lang="en-US" dirty="0"/>
+          </a:p>
+        </p:txBody>
+      </p:sp>
+      <p:sp>
+        <p:nvSpPr>
+          <p:cNvPr id="3" name="Content Placeholder 2"/>
+          <p:cNvSpPr>
+            <a:spLocks noGrp="1"/>
+          </p:cNvSpPr>
+          <p:nvPr>
+            <p:ph idx="1"/>
+          </p:nvPr>
+        </p:nvSpPr>
+        <p:spPr/>
+        <p:txBody>
+          <a:bodyPr/>
+          <a:lstStyle/>
+          <a:p>
+            <a:r>
+              <a:rPr lang="en-US" dirty="0" smtClean="0"/>
+              <a:t>~ ½ thermal noise + ½ 1/f noise (~ static Gaussian)?</a:t>
+            </a:r>
+          </a:p>
+          <a:p>
+            <a:endParaRPr lang="en-US" dirty="0"/>
+          </a:p>
+          <a:p>
+            <a:endParaRPr lang="en-US" dirty="0" smtClean="0"/>
+          </a:p>
+          <a:p>
+            <a:endParaRPr lang="en-US" dirty="0"/>
+          </a:p>
+          <a:p>
+            <a:endParaRPr lang="en-US" dirty="0" smtClean="0"/>
+          </a:p>
+          <a:p>
+            <a:endParaRPr lang="en-US" dirty="0"/>
+          </a:p>
+          <a:p>
+            <a:r>
+              <a:rPr lang="en-US" dirty="0" smtClean="0"/>
+              <a:t>Conversion to sigma?</a:t>
+            </a:r>
+            <a:endParaRPr lang="en-US" dirty="0"/>
+          </a:p>
+        </p:txBody>
+      </p:sp>
+      <p:cxnSp>
+        <p:nvCxnSpPr>
+          <p:cNvPr id="5" name="Straight Arrow Connector 4"/>
+          <p:cNvCxnSpPr/>
+          <p:nvPr/>
+        </p:nvCxnSpPr>
+        <p:spPr>
+          <a:xfrm flipH="1">
+            <a:off x="2130552" y="2404872"/>
+            <a:ext cx="393192" cy="1143000"/>
+          </a:xfrm>
+          <a:prstGeom prst="straightConnector1">
+            <a:avLst/>
+          </a:prstGeom>
+          <a:ln>
+            <a:tailEnd type="triangle"/>
+          </a:ln>
+        </p:spPr>
+        <p:style>
+          <a:lnRef idx="1">
+            <a:schemeClr val="accent1"/>
+          </a:lnRef>
+          <a:fillRef idx="0">
+            <a:schemeClr val="accent1"/>
+          </a:fillRef>
+          <a:effectRef idx="0">
+            <a:schemeClr val="accent1"/>
+          </a:effectRef>
+          <a:fontRef idx="minor">
+            <a:schemeClr val="tx1"/>
+          </a:fontRef>
+        </p:style>
+      </p:cxnSp>
+      <p:sp>
+        <p:nvSpPr>
+          <p:cNvPr id="6" name="TextBox 5"/>
+          <p:cNvSpPr txBox="1"/>
+          <p:nvPr/>
+        </p:nvSpPr>
+        <p:spPr>
+          <a:xfrm>
+            <a:off x="685800" y="3498143"/>
+            <a:ext cx="4838569" cy="1477328"/>
+          </a:xfrm>
+          <a:prstGeom prst="rect">
+            <a:avLst/>
+          </a:prstGeom>
+          <a:noFill/>
+        </p:spPr>
+        <p:txBody>
+          <a:bodyPr wrap="none" rtlCol="0">
+            <a:spAutoFit/>
+          </a:bodyPr>
+          <a:lstStyle/>
+          <a:p>
+            <a:r>
+              <a:rPr lang="en-US" dirty="0" smtClean="0"/>
+              <a:t>Seems to more accurately describe the </a:t>
+            </a:r>
+          </a:p>
+          <a:p>
+            <a:r>
+              <a:rPr lang="en-US" dirty="0"/>
+              <a:t>d</a:t>
+            </a:r>
+            <a:r>
+              <a:rPr lang="en-US" dirty="0" smtClean="0"/>
+              <a:t>ecoupling we see experimentally (but too much)</a:t>
+            </a:r>
+          </a:p>
+          <a:p>
+            <a:endParaRPr lang="en-US" dirty="0"/>
+          </a:p>
+          <a:p>
+            <a:r>
+              <a:rPr lang="en-US" dirty="0" smtClean="0"/>
+              <a:t>Also too much for Bell states</a:t>
+            </a:r>
+          </a:p>
+          <a:p>
+            <a:endParaRPr lang="en-US" dirty="0" smtClean="0"/>
+          </a:p>
+        </p:txBody>
+      </p:sp>
+    </p:spTree>
+    <p:extLst>
+      <p:ext uri="{BB962C8B-B14F-4D97-AF65-F5344CB8AC3E}">
+        <p14:creationId xmlns:p14="http://schemas.microsoft.com/office/powerpoint/2010/main" val="1528175404"/>
+      </p:ext>
+    </p:extLst>
+  </p:cSld>
+  <p:clrMapOvr>
+    <a:masterClrMapping/>
+  </p:clrMapOvr>
+</p:sld>
+</file>
+
+<file path=ppt/slides/slide12.xml><?xml version="1.0" encoding="utf-8"?>
+<p:sld xmlns:a="http://schemas.openxmlformats.org/drawingml/2006/main" xmlns:r="http://schemas.openxmlformats.org/officeDocument/2006/relationships" xmlns:p="http://schemas.openxmlformats.org/presentationml/2006/main">
+  <p:cSld>
+    <p:spTree>
+      <p:nvGrpSpPr>
+        <p:cNvPr id="1" name=""/>
+        <p:cNvGrpSpPr/>
+        <p:nvPr/>
+      </p:nvGrpSpPr>
+      <p:grpSpPr>
+        <a:xfrm>
+          <a:off x="0" y="0"/>
+          <a:ext cx="0" cy="0"/>
+          <a:chOff x="0" y="0"/>
+          <a:chExt cx="0" cy="0"/>
+        </a:xfrm>
+      </p:grpSpPr>
+      <p:sp>
+        <p:nvSpPr>
+          <p:cNvPr id="2" name="Title 1"/>
+          <p:cNvSpPr>
+            <a:spLocks noGrp="1"/>
+          </p:cNvSpPr>
+          <p:nvPr>
+            <p:ph type="title"/>
+          </p:nvPr>
+        </p:nvSpPr>
+        <p:spPr/>
+        <p:txBody>
+          <a:bodyPr/>
+          <a:lstStyle/>
+          <a:p>
+            <a:r>
+              <a:rPr lang="en-US" dirty="0" smtClean="0"/>
+              <a:t>Other stuff</a:t>
+            </a:r>
+            <a:endParaRPr lang="en-US" dirty="0"/>
+          </a:p>
+        </p:txBody>
+      </p:sp>
+      <p:sp>
+        <p:nvSpPr>
+          <p:cNvPr id="3" name="Content Placeholder 2"/>
+          <p:cNvSpPr>
+            <a:spLocks noGrp="1"/>
+          </p:cNvSpPr>
+          <p:nvPr>
+            <p:ph idx="1"/>
+          </p:nvPr>
+        </p:nvSpPr>
+        <p:spPr/>
+        <p:txBody>
+          <a:bodyPr/>
+          <a:lstStyle/>
+          <a:p>
+            <a:r>
+              <a:rPr lang="en-US" dirty="0" smtClean="0"/>
+              <a:t>V2 coax upgrade?</a:t>
+            </a:r>
+          </a:p>
+          <a:p>
+            <a:r>
+              <a:rPr lang="en-US" dirty="0" err="1" smtClean="0"/>
+              <a:t>Veldhoven</a:t>
+            </a:r>
+            <a:r>
+              <a:rPr lang="en-US" dirty="0" smtClean="0"/>
+              <a:t> -&gt; Ok?</a:t>
+            </a:r>
+          </a:p>
+          <a:p>
+            <a:r>
+              <a:rPr lang="en-US" dirty="0" err="1" smtClean="0"/>
+              <a:t>Tijdelijk</a:t>
+            </a:r>
+            <a:r>
+              <a:rPr lang="en-US" dirty="0" smtClean="0"/>
+              <a:t> </a:t>
+            </a:r>
+            <a:r>
+              <a:rPr lang="en-US" dirty="0" err="1" smtClean="0"/>
+              <a:t>werken</a:t>
+            </a:r>
+            <a:r>
+              <a:rPr lang="en-US" dirty="0" smtClean="0"/>
+              <a:t> op GaAs samples (AM </a:t>
+            </a:r>
+            <a:r>
+              <a:rPr lang="en-US" dirty="0" err="1" smtClean="0"/>
+              <a:t>helpen</a:t>
+            </a:r>
+            <a:r>
+              <a:rPr lang="en-US" dirty="0" smtClean="0"/>
+              <a:t>)</a:t>
+            </a:r>
+          </a:p>
+          <a:p>
+            <a:r>
+              <a:rPr lang="en-US" dirty="0" err="1" smtClean="0"/>
+              <a:t>Theorie</a:t>
+            </a:r>
+            <a:r>
+              <a:rPr lang="en-US" dirty="0" smtClean="0"/>
+              <a:t> </a:t>
+            </a:r>
+            <a:r>
+              <a:rPr lang="en-US" dirty="0" err="1" smtClean="0"/>
+              <a:t>samenwerking</a:t>
+            </a:r>
+            <a:r>
+              <a:rPr lang="en-US" dirty="0" smtClean="0"/>
+              <a:t> </a:t>
+            </a:r>
+            <a:r>
+              <a:rPr lang="en-US" dirty="0" err="1" smtClean="0"/>
+              <a:t>voor</a:t>
+            </a:r>
+            <a:r>
+              <a:rPr lang="en-US" dirty="0" smtClean="0"/>
+              <a:t> MW pulses -&gt; </a:t>
+            </a:r>
+            <a:r>
+              <a:rPr lang="en-US" dirty="0" err="1"/>
+              <a:t>S</a:t>
+            </a:r>
+            <a:r>
+              <a:rPr lang="en-US" dirty="0" err="1" smtClean="0"/>
+              <a:t>lava</a:t>
+            </a:r>
+            <a:endParaRPr lang="en-US" dirty="0"/>
+          </a:p>
+        </p:txBody>
+      </p:sp>
+    </p:spTree>
+    <p:extLst>
+      <p:ext uri="{BB962C8B-B14F-4D97-AF65-F5344CB8AC3E}">
+        <p14:creationId xmlns:p14="http://schemas.microsoft.com/office/powerpoint/2010/main" val="669059275"/>
       </p:ext>
     </p:extLst>
   </p:cSld>
@@ -4024,6 +4587,52 @@
           </a:p>
         </p:txBody>
       </p:sp>
+      <p:sp>
+        <p:nvSpPr>
+          <p:cNvPr id="5" name="TextBox 4"/>
+          <p:cNvSpPr txBox="1"/>
+          <p:nvPr/>
+        </p:nvSpPr>
+        <p:spPr>
+          <a:xfrm>
+            <a:off x="9571407" y="973765"/>
+            <a:ext cx="2329292" cy="369332"/>
+          </a:xfrm>
+          <a:prstGeom prst="rect">
+            <a:avLst/>
+          </a:prstGeom>
+          <a:noFill/>
+        </p:spPr>
+        <p:txBody>
+          <a:bodyPr wrap="none" rtlCol="0">
+            <a:spAutoFit/>
+          </a:bodyPr>
+          <a:lstStyle/>
+          <a:p>
+            <a:r>
+              <a:rPr lang="en-US" dirty="0" err="1" smtClean="0"/>
+              <a:t>dJ</a:t>
+            </a:r>
+            <a:r>
+              <a:rPr lang="en-US" dirty="0" smtClean="0"/>
+              <a:t>/deps = 33 </a:t>
+            </a:r>
+            <a:r>
+              <a:rPr lang="en-US" dirty="0" err="1" smtClean="0"/>
+              <a:t>Mhz</a:t>
+            </a:r>
+            <a:r>
+              <a:rPr lang="en-US" dirty="0" smtClean="0"/>
+              <a:t>/</a:t>
+            </a:r>
+            <a:r>
+              <a:rPr lang="en-US" dirty="0" err="1" smtClean="0"/>
+              <a:t>mev</a:t>
+            </a:r>
+            <a:endParaRPr lang="en-US" dirty="0"/>
+          </a:p>
+        </p:txBody>
+      </p:sp>
     </p:spTree>
     <p:extLst>
       <p:ext uri="{BB962C8B-B14F-4D97-AF65-F5344CB8AC3E}">
@@ -5056,7 +5665,7 @@
         <p:spPr>
           <a:xfrm>
             <a:off x="838200" y="1431743"/>
-            <a:ext cx="2347117" cy="369332"/>
+            <a:ext cx="1596912" cy="369332"/>
           </a:xfrm>
           <a:prstGeom prst="rect">
             <a:avLst/>
@@ -5071,9 +5680,8 @@
           <a:p>
             <a:r>
               <a:rPr lang="en-US" dirty="0" smtClean="0"/>
-              <a:t>Static Gaussian (1.2 us)</a:t>
-            </a:r>
-            <a:endParaRPr lang="en-US" dirty="0"/>
+              <a:t>Static Gaussian</a:t>
+            </a:r>
           </a:p>
         </p:txBody>
       </p:sp>
@@ -5107,6 +5715,126 @@
           </a:p>
         </p:txBody>
       </p:sp>
+      <p:pic>
+        <p:nvPicPr>
+          <p:cNvPr id="11" name="Picture 10"/>
+          <p:cNvPicPr>
+            <a:picLocks noChangeAspect="1"/>
+          </p:cNvPicPr>
+          <p:nvPr/>
+        </p:nvPicPr>
+        <p:blipFill>
+          <a:blip r:embed="rId2">
+            <a:extLst>
+              <a:ext uri="{28A0092B-C50C-407E-A947-70E740481C1C}">
+                <a14:useLocalDpi xmlns:a14="http://schemas.microsoft.com/office/drawing/2010/main" val="0"/>
+              </a:ext>
+            </a:extLst>
+          </a:blip>
+          <a:stretch>
+            <a:fillRect/>
+          </a:stretch>
+        </p:blipFill>
+        <p:spPr>
+          <a:xfrm>
+            <a:off x="6801861" y="936004"/>
+            <a:ext cx="5507679" cy="3304608"/>
+          </a:xfrm>
+          <a:prstGeom prst="rect">
+            <a:avLst/>
+          </a:prstGeom>
+        </p:spPr>
+      </p:pic>
+      <p:pic>
+        <p:nvPicPr>
+          <p:cNvPr id="12" name="Picture 11"/>
+          <p:cNvPicPr>
+            <a:picLocks noChangeAspect="1"/>
+          </p:cNvPicPr>
+          <p:nvPr/>
+        </p:nvPicPr>
+        <p:blipFill>
+          <a:blip r:embed="rId3">
+            <a:extLst>
+              <a:ext uri="{28A0092B-C50C-407E-A947-70E740481C1C}">
+                <a14:useLocalDpi xmlns:a14="http://schemas.microsoft.com/office/drawing/2010/main" val="0"/>
+              </a:ext>
+            </a:extLst>
+          </a:blip>
+          <a:stretch>
+            <a:fillRect/>
+          </a:stretch>
+        </p:blipFill>
+        <p:spPr>
+          <a:xfrm>
+            <a:off x="6807164" y="3829878"/>
+            <a:ext cx="5502376" cy="3301426"/>
+          </a:xfrm>
+          <a:prstGeom prst="rect">
+            <a:avLst/>
+          </a:prstGeom>
+        </p:spPr>
+      </p:pic>
+      <p:pic>
+        <p:nvPicPr>
+          <p:cNvPr id="15" name="Picture 14"/>
+          <p:cNvPicPr>
+            <a:picLocks noChangeAspect="1"/>
+          </p:cNvPicPr>
+          <p:nvPr/>
+        </p:nvPicPr>
+        <p:blipFill>
+          <a:blip r:embed="rId4">
+            <a:extLst>
+              <a:ext uri="{28A0092B-C50C-407E-A947-70E740481C1C}">
+                <a14:useLocalDpi xmlns:a14="http://schemas.microsoft.com/office/drawing/2010/main" val="0"/>
+              </a:ext>
+            </a:extLst>
+          </a:blip>
+          <a:stretch>
+            <a:fillRect/>
+          </a:stretch>
+        </p:blipFill>
+        <p:spPr>
+          <a:xfrm>
+            <a:off x="2095052" y="1246222"/>
+            <a:ext cx="5046870" cy="3028122"/>
+          </a:xfrm>
+          <a:prstGeom prst="rect">
+            <a:avLst/>
+          </a:prstGeom>
+        </p:spPr>
+      </p:pic>
+      <p:pic>
+        <p:nvPicPr>
+          <p:cNvPr id="16" name="Picture 15"/>
+          <p:cNvPicPr>
+            <a:picLocks noChangeAspect="1"/>
+          </p:cNvPicPr>
+          <p:nvPr/>
+        </p:nvPicPr>
+        <p:blipFill>
+          <a:blip r:embed="rId5">
+            <a:extLst>
+              <a:ext uri="{28A0092B-C50C-407E-A947-70E740481C1C}">
+                <a14:useLocalDpi xmlns:a14="http://schemas.microsoft.com/office/drawing/2010/main" val="0"/>
+              </a:ext>
+            </a:extLst>
+          </a:blip>
+          <a:stretch>
+            <a:fillRect/>
+          </a:stretch>
+        </p:blipFill>
+        <p:spPr>
+          <a:xfrm>
+            <a:off x="978409" y="3849091"/>
+            <a:ext cx="5117592" cy="3070555"/>
+          </a:xfrm>
+          <a:prstGeom prst="rect">
+            <a:avLst/>
+          </a:prstGeom>
+        </p:spPr>
+      </p:pic>
     </p:spTree>
     <p:extLst>
       <p:ext uri="{BB962C8B-B14F-4D97-AF65-F5344CB8AC3E}">
@@ -5244,6 +5972,66 @@
           <a:xfrm>
             <a:off x="7203336" y="4014946"/>
             <a:ext cx="4988664" cy="2993198"/>
+          </a:xfrm>
+          <a:prstGeom prst="rect">
+            <a:avLst/>
+          </a:prstGeom>
+        </p:spPr>
+      </p:pic>
+      <p:pic>
+        <p:nvPicPr>
+          <p:cNvPr id="13" name="Picture 12"/>
+          <p:cNvPicPr>
+            <a:picLocks noChangeAspect="1"/>
+          </p:cNvPicPr>
+          <p:nvPr/>
+        </p:nvPicPr>
+        <p:blipFill>
+          <a:blip r:embed="rId4">
+            <a:extLst>
+              <a:ext uri="{28A0092B-C50C-407E-A947-70E740481C1C}">
+                <a14:useLocalDpi xmlns:a14="http://schemas.microsoft.com/office/drawing/2010/main" val="0"/>
+              </a:ext>
+            </a:extLst>
+          </a:blip>
+          <a:stretch>
+            <a:fillRect/>
+          </a:stretch>
+        </p:blipFill>
+        <p:spPr>
+          <a:xfrm>
+            <a:off x="2279698" y="487190"/>
+            <a:ext cx="5242766" cy="3145659"/>
+          </a:xfrm>
+          <a:prstGeom prst="rect">
+            <a:avLst/>
+          </a:prstGeom>
+        </p:spPr>
+      </p:pic>
+      <p:pic>
+        <p:nvPicPr>
+          <p:cNvPr id="14" name="Picture 13"/>
+          <p:cNvPicPr>
+            <a:picLocks noChangeAspect="1"/>
+          </p:cNvPicPr>
+          <p:nvPr/>
+        </p:nvPicPr>
+        <p:blipFill>
+          <a:blip r:embed="rId5">
+            <a:extLst>
+              <a:ext uri="{28A0092B-C50C-407E-A947-70E740481C1C}">
+                <a14:useLocalDpi xmlns:a14="http://schemas.microsoft.com/office/drawing/2010/main" val="0"/>
+              </a:ext>
+            </a:extLst>
+          </a:blip>
+          <a:stretch>
+            <a:fillRect/>
+          </a:stretch>
+        </p:blipFill>
+        <p:spPr>
+          <a:xfrm>
+            <a:off x="902208" y="3754914"/>
+            <a:ext cx="5489448" cy="3293669"/>
           </a:xfrm>
           <a:prstGeom prst="rect">
             <a:avLst/>
@@ -5397,6 +6185,66 @@
           </a:prstGeom>
         </p:spPr>
       </p:pic>
+      <p:pic>
+        <p:nvPicPr>
+          <p:cNvPr id="7" name="Picture 6"/>
+          <p:cNvPicPr>
+            <a:picLocks noChangeAspect="1"/>
+          </p:cNvPicPr>
+          <p:nvPr/>
+        </p:nvPicPr>
+        <p:blipFill>
+          <a:blip r:embed="rId4">
+            <a:extLst>
+              <a:ext uri="{28A0092B-C50C-407E-A947-70E740481C1C}">
+                <a14:useLocalDpi xmlns:a14="http://schemas.microsoft.com/office/drawing/2010/main" val="0"/>
+              </a:ext>
+            </a:extLst>
+          </a:blip>
+          <a:stretch>
+            <a:fillRect/>
+          </a:stretch>
+        </p:blipFill>
+        <p:spPr>
+          <a:xfrm>
+            <a:off x="246972" y="3813048"/>
+            <a:ext cx="4567428" cy="3044952"/>
+          </a:xfrm>
+          <a:prstGeom prst="rect">
+            <a:avLst/>
+          </a:prstGeom>
+        </p:spPr>
+      </p:pic>
+      <p:pic>
+        <p:nvPicPr>
+          <p:cNvPr id="8" name="Picture 7"/>
+          <p:cNvPicPr>
+            <a:picLocks noChangeAspect="1"/>
+          </p:cNvPicPr>
+          <p:nvPr/>
+        </p:nvPicPr>
+        <p:blipFill>
+          <a:blip r:embed="rId5">
+            <a:extLst>
+              <a:ext uri="{28A0092B-C50C-407E-A947-70E740481C1C}">
+                <a14:useLocalDpi xmlns:a14="http://schemas.microsoft.com/office/drawing/2010/main" val="0"/>
+              </a:ext>
+            </a:extLst>
+          </a:blip>
+          <a:stretch>
+            <a:fillRect/>
+          </a:stretch>
+        </p:blipFill>
+        <p:spPr>
+          <a:xfrm>
+            <a:off x="3099815" y="1169292"/>
+            <a:ext cx="4301479" cy="2867653"/>
+          </a:xfrm>
+          <a:prstGeom prst="rect">
+            <a:avLst/>
+          </a:prstGeom>
+        </p:spPr>
+      </p:pic>
     </p:spTree>
     <p:extLst>
       <p:ext uri="{BB962C8B-B14F-4D97-AF65-F5344CB8AC3E}">
@@ -5544,10 +6392,317 @@
           </a:prstGeom>
         </p:spPr>
       </p:pic>
+      <p:pic>
+        <p:nvPicPr>
+          <p:cNvPr id="9" name="Picture 8"/>
+          <p:cNvPicPr>
+            <a:picLocks noChangeAspect="1"/>
+          </p:cNvPicPr>
+          <p:nvPr/>
+        </p:nvPicPr>
+        <p:blipFill>
+          <a:blip r:embed="rId4"/>
+          <a:stretch>
+            <a:fillRect/>
+          </a:stretch>
+        </p:blipFill>
+        <p:spPr>
+          <a:xfrm>
+            <a:off x="0" y="0"/>
+            <a:ext cx="12192000" cy="6858000"/>
+          </a:xfrm>
+          <a:prstGeom prst="rect">
+            <a:avLst/>
+          </a:prstGeom>
+        </p:spPr>
+      </p:pic>
+      <p:pic>
+        <p:nvPicPr>
+          <p:cNvPr id="10" name="Picture 9"/>
+          <p:cNvPicPr>
+            <a:picLocks noChangeAspect="1"/>
+          </p:cNvPicPr>
+          <p:nvPr/>
+        </p:nvPicPr>
+        <p:blipFill>
+          <a:blip r:embed="rId5">
+            <a:extLst>
+              <a:ext uri="{28A0092B-C50C-407E-A947-70E740481C1C}">
+                <a14:useLocalDpi xmlns:a14="http://schemas.microsoft.com/office/drawing/2010/main" val="0"/>
+              </a:ext>
+            </a:extLst>
+          </a:blip>
+          <a:stretch>
+            <a:fillRect/>
+          </a:stretch>
+        </p:blipFill>
+        <p:spPr>
+          <a:xfrm>
+            <a:off x="2000250" y="365125"/>
+            <a:ext cx="5349240" cy="3209544"/>
+          </a:xfrm>
+          <a:prstGeom prst="rect">
+            <a:avLst/>
+          </a:prstGeom>
+        </p:spPr>
+      </p:pic>
+      <p:pic>
+        <p:nvPicPr>
+          <p:cNvPr id="11" name="Picture 10"/>
+          <p:cNvPicPr>
+            <a:picLocks noChangeAspect="1"/>
+          </p:cNvPicPr>
+          <p:nvPr/>
+        </p:nvPicPr>
+        <p:blipFill>
+          <a:blip r:embed="rId6">
+            <a:extLst>
+              <a:ext uri="{28A0092B-C50C-407E-A947-70E740481C1C}">
+                <a14:useLocalDpi xmlns:a14="http://schemas.microsoft.com/office/drawing/2010/main" val="0"/>
+              </a:ext>
+            </a:extLst>
+          </a:blip>
+          <a:stretch>
+            <a:fillRect/>
+          </a:stretch>
+        </p:blipFill>
+        <p:spPr>
+          <a:xfrm>
+            <a:off x="353568" y="3478963"/>
+            <a:ext cx="5349240" cy="3209544"/>
+          </a:xfrm>
+          <a:prstGeom prst="rect">
+            <a:avLst/>
+          </a:prstGeom>
+        </p:spPr>
+      </p:pic>
     </p:spTree>
     <p:extLst>
       <p:ext uri="{BB962C8B-B14F-4D97-AF65-F5344CB8AC3E}">
         <p14:creationId xmlns:p14="http://schemas.microsoft.com/office/powerpoint/2010/main" val="705260101"/>
+      </p:ext>
+    </p:extLst>
+  </p:cSld>
+  <p:clrMapOvr>
+    <a:masterClrMapping/>
+  </p:clrMapOvr>
+</p:sld>
+</file>
+
+<file path=ppt/slides/slide9.xml><?xml version="1.0" encoding="utf-8"?>
+<p:sld xmlns:a="http://schemas.openxmlformats.org/drawingml/2006/main" xmlns:r="http://schemas.openxmlformats.org/officeDocument/2006/relationships" xmlns:p="http://schemas.openxmlformats.org/presentationml/2006/main">
+  <p:cSld>
+    <p:spTree>
+      <p:nvGrpSpPr>
+        <p:cNvPr id="1" name=""/>
+        <p:cNvGrpSpPr/>
+        <p:nvPr/>
+      </p:nvGrpSpPr>
+      <p:grpSpPr>
+        <a:xfrm>
+          <a:off x="0" y="0"/>
+          <a:ext cx="0" cy="0"/>
+          <a:chOff x="0" y="0"/>
+          <a:chExt cx="0" cy="0"/>
+        </a:xfrm>
+      </p:grpSpPr>
+      <p:sp>
+        <p:nvSpPr>
+          <p:cNvPr id="2" name="Title 1"/>
+          <p:cNvSpPr>
+            <a:spLocks noGrp="1"/>
+          </p:cNvSpPr>
+          <p:nvPr>
+            <p:ph type="title"/>
+          </p:nvPr>
+        </p:nvSpPr>
+        <p:spPr/>
+        <p:txBody>
+          <a:bodyPr/>
+          <a:lstStyle/>
+          <a:p>
+            <a:r>
+              <a:rPr lang="en-US" dirty="0" smtClean="0"/>
+              <a:t>Bell states (00 +11 example)</a:t>
+            </a:r>
+            <a:endParaRPr lang="en-US" dirty="0"/>
+          </a:p>
+        </p:txBody>
+      </p:sp>
+      <p:pic>
+        <p:nvPicPr>
+          <p:cNvPr id="4" name="Picture 3"/>
+          <p:cNvPicPr>
+            <a:picLocks noChangeAspect="1"/>
+          </p:cNvPicPr>
+          <p:nvPr/>
+        </p:nvPicPr>
+        <p:blipFill>
+          <a:blip r:embed="rId2">
+            <a:extLst>
+              <a:ext uri="{28A0092B-C50C-407E-A947-70E740481C1C}">
+                <a14:useLocalDpi xmlns:a14="http://schemas.microsoft.com/office/drawing/2010/main" val="0"/>
+              </a:ext>
+            </a:extLst>
+          </a:blip>
+          <a:stretch>
+            <a:fillRect/>
+          </a:stretch>
+        </p:blipFill>
+        <p:spPr>
+          <a:xfrm>
+            <a:off x="757428" y="1926844"/>
+            <a:ext cx="5852160" cy="4389120"/>
+          </a:xfrm>
+          <a:prstGeom prst="rect">
+            <a:avLst/>
+          </a:prstGeom>
+        </p:spPr>
+      </p:pic>
+      <p:sp>
+        <p:nvSpPr>
+          <p:cNvPr id="5" name="TextBox 4"/>
+          <p:cNvSpPr txBox="1"/>
+          <p:nvPr/>
+        </p:nvSpPr>
+        <p:spPr>
+          <a:xfrm>
+            <a:off x="838200" y="1690688"/>
+            <a:ext cx="981359" cy="646331"/>
+          </a:xfrm>
+          <a:prstGeom prst="rect">
+            <a:avLst/>
+          </a:prstGeom>
+          <a:noFill/>
+        </p:spPr>
+        <p:txBody>
+          <a:bodyPr wrap="none" rtlCol="0">
+            <a:spAutoFit/>
+          </a:bodyPr>
+          <a:lstStyle/>
+          <a:p>
+            <a:r>
+              <a:rPr lang="en-US" dirty="0" smtClean="0"/>
+              <a:t>F = 85 %</a:t>
+            </a:r>
+          </a:p>
+          <a:p>
+            <a:r>
+              <a:rPr lang="en-US" dirty="0" smtClean="0"/>
+              <a:t>C = 73 %</a:t>
+            </a:r>
+            <a:endParaRPr lang="en-US" dirty="0"/>
+          </a:p>
+        </p:txBody>
+      </p:sp>
+      <p:pic>
+        <p:nvPicPr>
+          <p:cNvPr id="6" name="Picture 5"/>
+          <p:cNvPicPr>
+            <a:picLocks noChangeAspect="1"/>
+          </p:cNvPicPr>
+          <p:nvPr/>
+        </p:nvPicPr>
+        <p:blipFill>
+          <a:blip r:embed="rId3">
+            <a:extLst>
+              <a:ext uri="{28A0092B-C50C-407E-A947-70E740481C1C}">
+                <a14:useLocalDpi xmlns:a14="http://schemas.microsoft.com/office/drawing/2010/main" val="0"/>
+              </a:ext>
+            </a:extLst>
+          </a:blip>
+          <a:stretch>
+            <a:fillRect/>
+          </a:stretch>
+        </p:blipFill>
+        <p:spPr>
+          <a:xfrm>
+            <a:off x="6339840" y="2013853"/>
+            <a:ext cx="5852160" cy="4389120"/>
+          </a:xfrm>
+          <a:prstGeom prst="rect">
+            <a:avLst/>
+          </a:prstGeom>
+        </p:spPr>
+      </p:pic>
+      <p:sp>
+        <p:nvSpPr>
+          <p:cNvPr id="7" name="TextBox 6"/>
+          <p:cNvSpPr txBox="1"/>
+          <p:nvPr/>
+        </p:nvSpPr>
+        <p:spPr>
+          <a:xfrm>
+            <a:off x="10573512" y="1690688"/>
+            <a:ext cx="981359" cy="646331"/>
+          </a:xfrm>
+          <a:prstGeom prst="rect">
+            <a:avLst/>
+          </a:prstGeom>
+          <a:noFill/>
+        </p:spPr>
+        <p:txBody>
+          <a:bodyPr wrap="none" rtlCol="0">
+            <a:spAutoFit/>
+          </a:bodyPr>
+          <a:lstStyle/>
+          <a:p>
+            <a:r>
+              <a:rPr lang="en-US" dirty="0" smtClean="0"/>
+              <a:t>F = 75 %</a:t>
+            </a:r>
+          </a:p>
+          <a:p>
+            <a:r>
+              <a:rPr lang="en-US" dirty="0" smtClean="0"/>
+              <a:t>C = 60 %</a:t>
+            </a:r>
+            <a:endParaRPr lang="en-US" dirty="0"/>
+          </a:p>
+        </p:txBody>
+      </p:sp>
+      <p:sp>
+        <p:nvSpPr>
+          <p:cNvPr id="9" name="TextBox 8"/>
+          <p:cNvSpPr txBox="1"/>
+          <p:nvPr/>
+        </p:nvSpPr>
+        <p:spPr>
+          <a:xfrm>
+            <a:off x="10105435" y="365125"/>
+            <a:ext cx="1449436" cy="646331"/>
+          </a:xfrm>
+          <a:prstGeom prst="rect">
+            <a:avLst/>
+          </a:prstGeom>
+          <a:noFill/>
+        </p:spPr>
+        <p:txBody>
+          <a:bodyPr wrap="none" rtlCol="0">
+            <a:spAutoFit/>
+          </a:bodyPr>
+          <a:lstStyle/>
+          <a:p>
+            <a:r>
+              <a:rPr lang="en-US" sz="3600" dirty="0" smtClean="0">
+                <a:solidFill>
+                  <a:srgbClr val="C00000"/>
+                </a:solidFill>
+              </a:rPr>
+              <a:t>WHITE</a:t>
+            </a:r>
+            <a:endParaRPr lang="en-US" sz="3600" dirty="0">
+              <a:solidFill>
+                <a:srgbClr val="C00000"/>
+              </a:solidFill>
+            </a:endParaRPr>
+          </a:p>
+        </p:txBody>
+      </p:sp>
+    </p:spTree>
+    <p:extLst>
+      <p:ext uri="{BB962C8B-B14F-4D97-AF65-F5344CB8AC3E}">
+        <p14:creationId xmlns:p14="http://schemas.microsoft.com/office/powerpoint/2010/main" val="1456620108"/>
       </p:ext>
     </p:extLst>
   </p:cSld>
